--- a/Fichiers annexes/sommaire_PP.pptx
+++ b/Fichiers annexes/sommaire_PP.pptx
@@ -244,7 +244,7 @@
           <a:p>
             <a:fld id="{718A1750-1278-4BBD-BA34-79C57E3957C5}" type="datetimeFigureOut">
               <a:rPr lang="fr-FR" smtClean="0"/>
-              <a:t>03/06/2020</a:t>
+              <a:t>04/06/2020</a:t>
             </a:fld>
             <a:endParaRPr lang="fr-FR"/>
           </a:p>
@@ -414,7 +414,7 @@
           <a:p>
             <a:fld id="{718A1750-1278-4BBD-BA34-79C57E3957C5}" type="datetimeFigureOut">
               <a:rPr lang="fr-FR" smtClean="0"/>
-              <a:t>03/06/2020</a:t>
+              <a:t>04/06/2020</a:t>
             </a:fld>
             <a:endParaRPr lang="fr-FR"/>
           </a:p>
@@ -594,7 +594,7 @@
           <a:p>
             <a:fld id="{718A1750-1278-4BBD-BA34-79C57E3957C5}" type="datetimeFigureOut">
               <a:rPr lang="fr-FR" smtClean="0"/>
-              <a:t>03/06/2020</a:t>
+              <a:t>04/06/2020</a:t>
             </a:fld>
             <a:endParaRPr lang="fr-FR"/>
           </a:p>
@@ -764,7 +764,7 @@
           <a:p>
             <a:fld id="{718A1750-1278-4BBD-BA34-79C57E3957C5}" type="datetimeFigureOut">
               <a:rPr lang="fr-FR" smtClean="0"/>
-              <a:t>03/06/2020</a:t>
+              <a:t>04/06/2020</a:t>
             </a:fld>
             <a:endParaRPr lang="fr-FR"/>
           </a:p>
@@ -1010,7 +1010,7 @@
           <a:p>
             <a:fld id="{718A1750-1278-4BBD-BA34-79C57E3957C5}" type="datetimeFigureOut">
               <a:rPr lang="fr-FR" smtClean="0"/>
-              <a:t>03/06/2020</a:t>
+              <a:t>04/06/2020</a:t>
             </a:fld>
             <a:endParaRPr lang="fr-FR"/>
           </a:p>
@@ -1242,7 +1242,7 @@
           <a:p>
             <a:fld id="{718A1750-1278-4BBD-BA34-79C57E3957C5}" type="datetimeFigureOut">
               <a:rPr lang="fr-FR" smtClean="0"/>
-              <a:t>03/06/2020</a:t>
+              <a:t>04/06/2020</a:t>
             </a:fld>
             <a:endParaRPr lang="fr-FR"/>
           </a:p>
@@ -1609,7 +1609,7 @@
           <a:p>
             <a:fld id="{718A1750-1278-4BBD-BA34-79C57E3957C5}" type="datetimeFigureOut">
               <a:rPr lang="fr-FR" smtClean="0"/>
-              <a:t>03/06/2020</a:t>
+              <a:t>04/06/2020</a:t>
             </a:fld>
             <a:endParaRPr lang="fr-FR"/>
           </a:p>
@@ -1727,7 +1727,7 @@
           <a:p>
             <a:fld id="{718A1750-1278-4BBD-BA34-79C57E3957C5}" type="datetimeFigureOut">
               <a:rPr lang="fr-FR" smtClean="0"/>
-              <a:t>03/06/2020</a:t>
+              <a:t>04/06/2020</a:t>
             </a:fld>
             <a:endParaRPr lang="fr-FR"/>
           </a:p>
@@ -1822,7 +1822,7 @@
           <a:p>
             <a:fld id="{718A1750-1278-4BBD-BA34-79C57E3957C5}" type="datetimeFigureOut">
               <a:rPr lang="fr-FR" smtClean="0"/>
-              <a:t>03/06/2020</a:t>
+              <a:t>04/06/2020</a:t>
             </a:fld>
             <a:endParaRPr lang="fr-FR"/>
           </a:p>
@@ -2099,7 +2099,7 @@
           <a:p>
             <a:fld id="{718A1750-1278-4BBD-BA34-79C57E3957C5}" type="datetimeFigureOut">
               <a:rPr lang="fr-FR" smtClean="0"/>
-              <a:t>03/06/2020</a:t>
+              <a:t>04/06/2020</a:t>
             </a:fld>
             <a:endParaRPr lang="fr-FR"/>
           </a:p>
@@ -2352,7 +2352,7 @@
           <a:p>
             <a:fld id="{718A1750-1278-4BBD-BA34-79C57E3957C5}" type="datetimeFigureOut">
               <a:rPr lang="fr-FR" smtClean="0"/>
-              <a:t>03/06/2020</a:t>
+              <a:t>04/06/2020</a:t>
             </a:fld>
             <a:endParaRPr lang="fr-FR"/>
           </a:p>
@@ -2565,7 +2565,7 @@
           <a:p>
             <a:fld id="{718A1750-1278-4BBD-BA34-79C57E3957C5}" type="datetimeFigureOut">
               <a:rPr lang="fr-FR" smtClean="0"/>
-              <a:t>03/06/2020</a:t>
+              <a:t>04/06/2020</a:t>
             </a:fld>
             <a:endParaRPr lang="fr-FR"/>
           </a:p>
@@ -3366,7 +3366,7 @@
         <p:spPr>
           <a:xfrm>
             <a:off x="718808" y="740574"/>
-            <a:ext cx="9482205" cy="4524315"/>
+            <a:ext cx="9482205" cy="5078313"/>
           </a:xfrm>
           <a:prstGeom prst="rect">
             <a:avLst/>
@@ -3428,20 +3428,40 @@
               <a:t>7: explication du </a:t>
             </a:r>
             <a:r>
+              <a:rPr lang="fr-FR" dirty="0" smtClean="0"/>
+              <a:t>succincte </a:t>
+            </a:r>
+            <a:r>
+              <a:rPr lang="fr-FR" dirty="0" smtClean="0"/>
+              <a:t>site : </a:t>
+            </a:r>
+            <a:r>
               <a:rPr lang="fr-FR" dirty="0" err="1" smtClean="0"/>
-              <a:t>sinccinte</a:t>
-            </a:r>
-            <a:r>
-              <a:rPr lang="fr-FR" dirty="0" smtClean="0"/>
-              <a:t> site : les différentes utilisateurs (admin, user, supplier), explication les grands </a:t>
+              <a:t>obj</a:t>
+            </a:r>
+            <a:r>
+              <a:rPr lang="fr-FR" dirty="0" smtClean="0"/>
+              <a:t> : les grandes </a:t>
             </a:r>
             <a:r>
               <a:rPr lang="fr-FR" dirty="0" err="1" smtClean="0"/>
-              <a:t>principtes</a:t>
-            </a:r>
-            <a:r>
-              <a:rPr lang="fr-FR" dirty="0" smtClean="0"/>
-              <a:t> (mettre le </a:t>
+              <a:t>foncitonnalités</a:t>
+            </a:r>
+            <a:r>
+              <a:rPr lang="fr-FR" dirty="0" smtClean="0"/>
+              <a:t> : les </a:t>
+            </a:r>
+            <a:r>
+              <a:rPr lang="fr-FR" dirty="0" smtClean="0"/>
+              <a:t>différentes utilisateurs (admin, user, supplier), explication les grands </a:t>
+            </a:r>
+            <a:r>
+              <a:rPr lang="fr-FR" dirty="0" smtClean="0"/>
+              <a:t>principes </a:t>
+            </a:r>
+            <a:r>
+              <a:rPr lang="fr-FR" dirty="0" smtClean="0"/>
+              <a:t>(mettre le </a:t>
             </a:r>
             <a:r>
               <a:rPr lang="fr-FR" dirty="0" err="1" smtClean="0"/>
@@ -3533,25 +3553,18 @@
           <a:p>
             <a:r>
               <a:rPr lang="fr-FR" dirty="0" smtClean="0"/>
-              <a:t>Pas de sécurité sur </a:t>
-            </a:r>
-            <a:r>
-              <a:rPr lang="fr-FR" smtClean="0"/>
-              <a:t>les </a:t>
-            </a:r>
-            <a:r>
-              <a:rPr lang="fr-FR" smtClean="0"/>
-              <a:t>formulaires,</a:t>
-            </a:r>
-          </a:p>
-          <a:p>
-            <a:r>
-              <a:rPr lang="fr-FR" smtClean="0"/>
-              <a:t>10</a:t>
-            </a:r>
-            <a:r>
-              <a:rPr lang="fr-FR" dirty="0" smtClean="0"/>
-              <a:t>: sécurité (pas de sécu entre front et back) et entre utilisateur et back + mise en place de sécurité avec les </a:t>
+              <a:t>Pas de sécurité sur les formulaires</a:t>
+            </a:r>
+            <a:r>
+              <a:rPr lang="fr-FR" dirty="0" smtClean="0"/>
+              <a:t>, % de batterie non utilisée, pas de vérification du solde client pour forcer la fin de trajet, tests unitaire,</a:t>
+            </a:r>
+            <a:endParaRPr lang="fr-FR" dirty="0" smtClean="0"/>
+          </a:p>
+          <a:p>
+            <a:r>
+              <a:rPr lang="fr-FR" dirty="0" smtClean="0"/>
+              <a:t>10: sécurité (pas de sécu entre front et back) et entre utilisateur et back + mise en place de sécurité avec les </a:t>
             </a:r>
             <a:r>
               <a:rPr lang="fr-FR" dirty="0" err="1" smtClean="0"/>
@@ -3575,7 +3588,17 @@
             </a:r>
             <a:r>
               <a:rPr lang="fr-FR" dirty="0" smtClean="0"/>
-              <a:t> et login seront cachés. Base de données à crypter.</a:t>
+              <a:t> et login seront cachés. Base de données à crypter</a:t>
+            </a:r>
+            <a:r>
+              <a:rPr lang="fr-FR" dirty="0" smtClean="0"/>
+              <a:t>.</a:t>
+            </a:r>
+          </a:p>
+          <a:p>
+            <a:r>
+              <a:rPr lang="fr-FR" dirty="0" smtClean="0"/>
+              <a:t>11: remerciements</a:t>
             </a:r>
             <a:endParaRPr lang="fr-FR" dirty="0"/>
           </a:p>
